--- a/GUI/Image_onehand/이미지제작용.pptx
+++ b/GUI/Image_onehand/이미지제작용.pptx
@@ -110,6 +110,22 @@
       </a:defRPr>
     </a:lvl9pPr>
   </p:defaultTextStyle>
+  <p:extLst>
+    <p:ext uri="{EFAFB233-063F-42B5-8137-9DF3F51BA10A}">
+      <p15:sldGuideLst xmlns:p15="http://schemas.microsoft.com/office/powerpoint/2012/main">
+        <p15:guide id="1" orient="horz" pos="2160">
+          <p15:clr>
+            <a:srgbClr val="A4A3A4"/>
+          </p15:clr>
+        </p15:guide>
+        <p15:guide id="2" pos="2880">
+          <p15:clr>
+            <a:srgbClr val="A4A3A4"/>
+          </p15:clr>
+        </p15:guide>
+      </p15:sldGuideLst>
+    </p:ext>
+  </p:extLst>
 </p:presentation>
 </file>
 
@@ -295,7 +311,7 @@
             <a:fld id="{7D595595-67CC-4EE9-B07E-555436DFB3F3}" type="datetimeFigureOut">
               <a:rPr lang="ko-KR" altLang="en-US" smtClean="0"/>
               <a:pPr/>
-              <a:t>2021-08-19</a:t>
+              <a:t>2021-08-26</a:t>
             </a:fld>
             <a:endParaRPr lang="ko-KR" altLang="en-US"/>
           </a:p>
@@ -462,7 +478,7 @@
             <a:fld id="{7D595595-67CC-4EE9-B07E-555436DFB3F3}" type="datetimeFigureOut">
               <a:rPr lang="ko-KR" altLang="en-US" smtClean="0"/>
               <a:pPr/>
-              <a:t>2021-08-19</a:t>
+              <a:t>2021-08-26</a:t>
             </a:fld>
             <a:endParaRPr lang="ko-KR" altLang="en-US"/>
           </a:p>
@@ -639,7 +655,7 @@
             <a:fld id="{7D595595-67CC-4EE9-B07E-555436DFB3F3}" type="datetimeFigureOut">
               <a:rPr lang="ko-KR" altLang="en-US" smtClean="0"/>
               <a:pPr/>
-              <a:t>2021-08-19</a:t>
+              <a:t>2021-08-26</a:t>
             </a:fld>
             <a:endParaRPr lang="ko-KR" altLang="en-US"/>
           </a:p>
@@ -806,7 +822,7 @@
             <a:fld id="{7D595595-67CC-4EE9-B07E-555436DFB3F3}" type="datetimeFigureOut">
               <a:rPr lang="ko-KR" altLang="en-US" smtClean="0"/>
               <a:pPr/>
-              <a:t>2021-08-19</a:t>
+              <a:t>2021-08-26</a:t>
             </a:fld>
             <a:endParaRPr lang="ko-KR" altLang="en-US"/>
           </a:p>
@@ -1049,7 +1065,7 @@
             <a:fld id="{7D595595-67CC-4EE9-B07E-555436DFB3F3}" type="datetimeFigureOut">
               <a:rPr lang="ko-KR" altLang="en-US" smtClean="0"/>
               <a:pPr/>
-              <a:t>2021-08-19</a:t>
+              <a:t>2021-08-26</a:t>
             </a:fld>
             <a:endParaRPr lang="ko-KR" altLang="en-US"/>
           </a:p>
@@ -1334,7 +1350,7 @@
             <a:fld id="{7D595595-67CC-4EE9-B07E-555436DFB3F3}" type="datetimeFigureOut">
               <a:rPr lang="ko-KR" altLang="en-US" smtClean="0"/>
               <a:pPr/>
-              <a:t>2021-08-19</a:t>
+              <a:t>2021-08-26</a:t>
             </a:fld>
             <a:endParaRPr lang="ko-KR" altLang="en-US"/>
           </a:p>
@@ -1753,7 +1769,7 @@
             <a:fld id="{7D595595-67CC-4EE9-B07E-555436DFB3F3}" type="datetimeFigureOut">
               <a:rPr lang="ko-KR" altLang="en-US" smtClean="0"/>
               <a:pPr/>
-              <a:t>2021-08-19</a:t>
+              <a:t>2021-08-26</a:t>
             </a:fld>
             <a:endParaRPr lang="ko-KR" altLang="en-US"/>
           </a:p>
@@ -1868,7 +1884,7 @@
             <a:fld id="{7D595595-67CC-4EE9-B07E-555436DFB3F3}" type="datetimeFigureOut">
               <a:rPr lang="ko-KR" altLang="en-US" smtClean="0"/>
               <a:pPr/>
-              <a:t>2021-08-19</a:t>
+              <a:t>2021-08-26</a:t>
             </a:fld>
             <a:endParaRPr lang="ko-KR" altLang="en-US"/>
           </a:p>
@@ -1960,7 +1976,7 @@
             <a:fld id="{7D595595-67CC-4EE9-B07E-555436DFB3F3}" type="datetimeFigureOut">
               <a:rPr lang="ko-KR" altLang="en-US" smtClean="0"/>
               <a:pPr/>
-              <a:t>2021-08-19</a:t>
+              <a:t>2021-08-26</a:t>
             </a:fld>
             <a:endParaRPr lang="ko-KR" altLang="en-US"/>
           </a:p>
@@ -2234,7 +2250,7 @@
             <a:fld id="{7D595595-67CC-4EE9-B07E-555436DFB3F3}" type="datetimeFigureOut">
               <a:rPr lang="ko-KR" altLang="en-US" smtClean="0"/>
               <a:pPr/>
-              <a:t>2021-08-19</a:t>
+              <a:t>2021-08-26</a:t>
             </a:fld>
             <a:endParaRPr lang="ko-KR" altLang="en-US"/>
           </a:p>
@@ -2484,7 +2500,7 @@
             <a:fld id="{7D595595-67CC-4EE9-B07E-555436DFB3F3}" type="datetimeFigureOut">
               <a:rPr lang="ko-KR" altLang="en-US" smtClean="0"/>
               <a:pPr/>
-              <a:t>2021-08-19</a:t>
+              <a:t>2021-08-26</a:t>
             </a:fld>
             <a:endParaRPr lang="ko-KR" altLang="en-US"/>
           </a:p>
@@ -2699,7 +2715,7 @@
             <a:fld id="{7D595595-67CC-4EE9-B07E-555436DFB3F3}" type="datetimeFigureOut">
               <a:rPr lang="ko-KR" altLang="en-US" smtClean="0"/>
               <a:pPr/>
-              <a:t>2021-08-19</a:t>
+              <a:t>2021-08-26</a:t>
             </a:fld>
             <a:endParaRPr lang="ko-KR" altLang="en-US"/>
           </a:p>
@@ -4056,6 +4072,10 @@
           <a:bodyPr/>
           <a:lstStyle/>
           <a:p>
+            <a:r>
+              <a:rPr lang="ko-KR" altLang="en-US" smtClean="0"/>
+              <a:t>ㅁ</a:t>
+            </a:r>
             <a:endParaRPr lang="ko-KR" altLang="en-US"/>
           </a:p>
         </p:txBody>
@@ -4662,8 +4682,8 @@
         </p:nvSpPr>
         <p:spPr>
           <a:xfrm>
-            <a:off x="642910" y="3571876"/>
-            <a:ext cx="1579279" cy="369332"/>
+            <a:off x="971307" y="3571876"/>
+            <a:ext cx="1800493" cy="369332"/>
           </a:xfrm>
           <a:prstGeom prst="rect">
             <a:avLst/>
@@ -4678,7 +4698,7 @@
           <a:p>
             <a:pPr algn="ctr"/>
             <a:r>
-              <a:rPr lang="ko-KR" altLang="en-US" dirty="0" smtClean="0">
+              <a:rPr lang="ko-KR" altLang="en-US" smtClean="0">
                 <a:solidFill>
                   <a:srgbClr val="FF0000"/>
                 </a:solidFill>
@@ -4688,25 +4708,25 @@
               <a:t>오른손</a:t>
             </a:r>
             <a:r>
-              <a:rPr lang="ko-KR" altLang="en-US" dirty="0" smtClean="0">
+              <a:rPr lang="ko-KR" altLang="en-US" smtClean="0">
                 <a:latin typeface="에스코어 드림 6 Bold" pitchFamily="34" charset="-127"/>
                 <a:ea typeface="에스코어 드림 6 Bold" pitchFamily="34" charset="-127"/>
               </a:rPr>
               <a:t>을</a:t>
             </a:r>
             <a:r>
-              <a:rPr lang="en-US" altLang="ko-KR" dirty="0" smtClean="0">
+              <a:rPr lang="en-US" altLang="ko-KR" smtClean="0">
                 <a:latin typeface="에스코어 드림 6 Bold" pitchFamily="34" charset="-127"/>
                 <a:ea typeface="에스코어 드림 6 Bold" pitchFamily="34" charset="-127"/>
               </a:rPr>
               <a:t> </a:t>
             </a:r>
             <a:r>
-              <a:rPr lang="ko-KR" altLang="en-US" dirty="0" smtClean="0">
+              <a:rPr lang="ko-KR" altLang="en-US" smtClean="0">
                 <a:latin typeface="에스코어 드림 6 Bold" pitchFamily="34" charset="-127"/>
                 <a:ea typeface="에스코어 드림 6 Bold" pitchFamily="34" charset="-127"/>
               </a:rPr>
-              <a:t>들어</a:t>
+              <a:t>들어서</a:t>
             </a:r>
             <a:endParaRPr lang="ko-KR" altLang="en-US" dirty="0">
               <a:latin typeface="에스코어 드림 6 Bold" pitchFamily="34" charset="-127"/>
@@ -4873,67 +4893,14 @@
       </p:sp>
       <p:sp>
         <p:nvSpPr>
-          <p:cNvPr id="43" name="TextBox 42"/>
-          <p:cNvSpPr txBox="1"/>
-          <p:nvPr/>
-        </p:nvSpPr>
-        <p:spPr>
-          <a:xfrm>
-            <a:off x="3686172" y="2571744"/>
-            <a:ext cx="3493265" cy="461665"/>
-          </a:xfrm>
-          <a:prstGeom prst="rect">
-            <a:avLst/>
-          </a:prstGeom>
-          <a:noFill/>
-        </p:spPr>
-        <p:txBody>
-          <a:bodyPr wrap="none" rtlCol="0">
-            <a:spAutoFit/>
-          </a:bodyPr>
-          <a:lstStyle/>
-          <a:p>
-            <a:pPr algn="ctr"/>
-            <a:r>
-              <a:rPr lang="ko-KR" altLang="en-US" sz="2400" dirty="0" smtClean="0">
-                <a:solidFill>
-                  <a:srgbClr val="C00000"/>
-                </a:solidFill>
-                <a:latin typeface="에스코어 드림 6 Bold" pitchFamily="34" charset="-127"/>
-                <a:ea typeface="에스코어 드림 6 Bold" pitchFamily="34" charset="-127"/>
-              </a:rPr>
-              <a:t>제스처 제어 </a:t>
-            </a:r>
-            <a:r>
-              <a:rPr lang="ko-KR" altLang="en-US" sz="2400" dirty="0" smtClean="0">
-                <a:solidFill>
-                  <a:srgbClr val="C00000"/>
-                </a:solidFill>
-                <a:latin typeface="에스코어 드림 6 Bold" pitchFamily="34" charset="-127"/>
-                <a:ea typeface="에스코어 드림 6 Bold" pitchFamily="34" charset="-127"/>
-              </a:rPr>
-              <a:t>모드 실행중</a:t>
-            </a:r>
-            <a:endParaRPr lang="ko-KR" altLang="en-US" sz="2400" dirty="0">
-              <a:solidFill>
-                <a:srgbClr val="C00000"/>
-              </a:solidFill>
-              <a:latin typeface="에스코어 드림 6 Bold" pitchFamily="34" charset="-127"/>
-              <a:ea typeface="에스코어 드림 6 Bold" pitchFamily="34" charset="-127"/>
-            </a:endParaRPr>
-          </a:p>
-        </p:txBody>
-      </p:sp>
-      <p:sp>
-        <p:nvSpPr>
           <p:cNvPr id="32" name="TextBox 31"/>
           <p:cNvSpPr txBox="1"/>
           <p:nvPr/>
         </p:nvSpPr>
         <p:spPr>
           <a:xfrm>
-            <a:off x="815948" y="5783065"/>
-            <a:ext cx="2234907" cy="646331"/>
+            <a:off x="887282" y="5783065"/>
+            <a:ext cx="2092240" cy="646331"/>
           </a:xfrm>
           <a:prstGeom prst="rect">
             <a:avLst/>
@@ -4965,18 +4932,25 @@
           <a:p>
             <a:pPr algn="ctr"/>
             <a:r>
-              <a:rPr lang="en-US" altLang="ko-KR" dirty="0" smtClean="0">
+              <a:rPr lang="ko-KR" altLang="en-US" smtClean="0">
                 <a:latin typeface="에스코어 드림 6 Bold" pitchFamily="34" charset="-127"/>
                 <a:ea typeface="에스코어 드림 6 Bold" pitchFamily="34" charset="-127"/>
               </a:rPr>
-              <a:t>2</a:t>
+              <a:t>잠시</a:t>
+            </a:r>
+            <a:r>
+              <a:rPr lang="ko-KR" altLang="en-US" smtClean="0">
+                <a:latin typeface="에스코어 드림 6 Bold" pitchFamily="34" charset="-127"/>
+                <a:ea typeface="에스코어 드림 6 Bold" pitchFamily="34" charset="-127"/>
+              </a:rPr>
+              <a:t> </a:t>
             </a:r>
             <a:r>
               <a:rPr lang="ko-KR" altLang="en-US" dirty="0" smtClean="0">
                 <a:latin typeface="에스코어 드림 6 Bold" pitchFamily="34" charset="-127"/>
                 <a:ea typeface="에스코어 드림 6 Bold" pitchFamily="34" charset="-127"/>
               </a:rPr>
-              <a:t>초간 유지해주세요</a:t>
+              <a:t>유지해주세요</a:t>
             </a:r>
             <a:r>
               <a:rPr lang="en-US" altLang="ko-KR" dirty="0" smtClean="0">
@@ -5093,37 +5067,88 @@
       </p:pic>
       <p:pic>
         <p:nvPicPr>
-          <p:cNvPr id="5" name="Picture 5"/>
+          <p:cNvPr id="7" name="그림 6"/>
           <p:cNvPicPr>
-            <a:picLocks noChangeAspect="1" noChangeArrowheads="1"/>
+            <a:picLocks noChangeAspect="1"/>
           </p:cNvPicPr>
           <p:nvPr/>
         </p:nvPicPr>
         <p:blipFill>
           <a:blip r:embed="rId7"/>
-          <a:srcRect/>
           <a:stretch>
             <a:fillRect/>
           </a:stretch>
         </p:blipFill>
-        <p:spPr bwMode="auto">
-          <a:xfrm>
-            <a:off x="4058777" y="5273688"/>
-            <a:ext cx="742950" cy="942975"/>
+        <p:spPr>
+          <a:xfrm>
+            <a:off x="4131292" y="5309084"/>
+            <a:ext cx="625315" cy="859211"/>
           </a:xfrm>
           <a:prstGeom prst="rect">
             <a:avLst/>
           </a:prstGeom>
+        </p:spPr>
+      </p:pic>
+      <p:sp>
+        <p:nvSpPr>
+          <p:cNvPr id="9" name="모서리가 둥근 직사각형 8"/>
+          <p:cNvSpPr/>
+          <p:nvPr/>
+        </p:nvSpPr>
+        <p:spPr>
+          <a:xfrm>
+            <a:off x="4026391" y="2348880"/>
+            <a:ext cx="2777857" cy="747637"/>
+          </a:xfrm>
+          <a:prstGeom prst="roundRect">
+            <a:avLst/>
+          </a:prstGeom>
           <a:noFill/>
-          <a:ln w="9525">
-            <a:noFill/>
-            <a:miter lim="800000"/>
-            <a:headEnd/>
-            <a:tailEnd/>
+          <a:ln w="38100">
+            <a:prstDash val="dash"/>
           </a:ln>
-          <a:effectLst/>
-        </p:spPr>
-      </p:pic>
+        </p:spPr>
+        <p:style>
+          <a:lnRef idx="2">
+            <a:schemeClr val="accent1">
+              <a:shade val="50000"/>
+            </a:schemeClr>
+          </a:lnRef>
+          <a:fillRef idx="1">
+            <a:schemeClr val="accent1"/>
+          </a:fillRef>
+          <a:effectRef idx="0">
+            <a:schemeClr val="accent1"/>
+          </a:effectRef>
+          <a:fontRef idx="minor">
+            <a:schemeClr val="lt1"/>
+          </a:fontRef>
+        </p:style>
+        <p:txBody>
+          <a:bodyPr rtlCol="0" anchor="ctr"/>
+          <a:lstStyle/>
+          <a:p>
+            <a:pPr algn="ctr"/>
+            <a:r>
+              <a:rPr lang="ko-KR" altLang="en-US">
+                <a:solidFill>
+                  <a:srgbClr val="C00000"/>
+                </a:solidFill>
+                <a:latin typeface="에스코어 드림 6 Bold" pitchFamily="34" charset="-127"/>
+                <a:ea typeface="에스코어 드림 6 Bold" pitchFamily="34" charset="-127"/>
+              </a:rPr>
+              <a:t>제스처 제어 모드 실행중</a:t>
+            </a:r>
+            <a:endParaRPr lang="en-US" altLang="ko-KR">
+              <a:solidFill>
+                <a:srgbClr val="C00000"/>
+              </a:solidFill>
+              <a:latin typeface="에스코어 드림 6 Bold" pitchFamily="34" charset="-127"/>
+              <a:ea typeface="에스코어 드림 6 Bold" pitchFamily="34" charset="-127"/>
+            </a:endParaRPr>
+          </a:p>
+        </p:txBody>
+      </p:sp>
     </p:spTree>
   </p:cSld>
   <p:clrMapOvr>
